--- a/final_project/final_PPT/1조제주어번역최종.pptx
+++ b/final_project/final_PPT/1조제주어번역최종.pptx
@@ -19,8 +19,8 @@
     <p:sldId id="290" r:id="rId10"/>
     <p:sldId id="287" r:id="rId11"/>
     <p:sldId id="291" r:id="rId12"/>
-    <p:sldId id="292" r:id="rId13"/>
-    <p:sldId id="298" r:id="rId14"/>
+    <p:sldId id="298" r:id="rId13"/>
+    <p:sldId id="292" r:id="rId14"/>
     <p:sldId id="297" r:id="rId15"/>
     <p:sldId id="293" r:id="rId16"/>
     <p:sldId id="288" r:id="rId17"/>
@@ -32,23 +32,23 @@
   <p:notesSz cx="6858000" cy="9144000"/>
   <p:embeddedFontLst>
     <p:embeddedFont>
-      <p:font typeface="a아시아헤드2" panose="02020600000000000000" pitchFamily="18" charset="-127"/>
+      <p:font typeface="a고운글씨B" panose="02020600000000000000" pitchFamily="18" charset="-127"/>
       <p:regular r:id="rId22"/>
     </p:embeddedFont>
     <p:embeddedFont>
-      <p:font typeface="a옛날사진관3" panose="02020600000000000000" pitchFamily="18" charset="-127"/>
+      <p:font typeface="a고운글씨M" panose="02020600000000000000" pitchFamily="18" charset="-127"/>
       <p:regular r:id="rId23"/>
     </p:embeddedFont>
     <p:embeddedFont>
-      <p:font typeface="a고운글씨B" panose="02020600000000000000" pitchFamily="18" charset="-127"/>
+      <p:font typeface="a로케트" panose="02020600000000000000" pitchFamily="18" charset="-127"/>
       <p:regular r:id="rId24"/>
     </p:embeddedFont>
     <p:embeddedFont>
-      <p:font typeface="a고운글씨M" panose="02020600000000000000" pitchFamily="18" charset="-127"/>
+      <p:font typeface="a아시아헤드2" panose="02020600000000000000" pitchFamily="18" charset="-127"/>
       <p:regular r:id="rId25"/>
     </p:embeddedFont>
     <p:embeddedFont>
-      <p:font typeface="a로케트" panose="02020600000000000000" pitchFamily="18" charset="-127"/>
+      <p:font typeface="a옛날사진관3" panose="02020600000000000000" pitchFamily="18" charset="-127"/>
       <p:regular r:id="rId26"/>
     </p:embeddedFont>
     <p:embeddedFont>
@@ -4269,459 +4269,6 @@
           <a:chExt cx="0" cy="0"/>
         </a:xfrm>
       </p:grpSpPr>
-      <p:sp>
-        <p:nvSpPr>
-          <p:cNvPr id="11" name="TextBox 10">
-            <a:extLst>
-              <a:ext uri="{FF2B5EF4-FFF2-40B4-BE49-F238E27FC236}">
-                <a16:creationId xmlns:a16="http://schemas.microsoft.com/office/drawing/2014/main" id="{5D96A384-5D4B-4D16-9F08-2EA6932C468D}"/>
-              </a:ext>
-            </a:extLst>
-          </p:cNvPr>
-          <p:cNvSpPr txBox="1"/>
-          <p:nvPr/>
-        </p:nvSpPr>
-        <p:spPr>
-          <a:xfrm>
-            <a:off x="839416" y="833371"/>
-            <a:ext cx="6652142" cy="938719"/>
-          </a:xfrm>
-          <a:prstGeom prst="rect">
-            <a:avLst/>
-          </a:prstGeom>
-          <a:noFill/>
-        </p:spPr>
-        <p:txBody>
-          <a:bodyPr wrap="none" rtlCol="0">
-            <a:spAutoFit/>
-          </a:bodyPr>
-          <a:lstStyle/>
-          <a:p>
-            <a:pPr>
-              <a:lnSpc>
-                <a:spcPct val="120000"/>
-              </a:lnSpc>
-            </a:pPr>
-            <a:r>
-              <a:rPr lang="en-US" altLang="ko-KR" sz="5000" dirty="0">
-                <a:ln>
-                  <a:solidFill>
-                    <a:srgbClr val="404040">
-                      <a:alpha val="0"/>
-                    </a:srgbClr>
-                  </a:solidFill>
-                </a:ln>
-                <a:solidFill>
-                  <a:schemeClr val="accent2">
-                    <a:lumMod val="50000"/>
-                    <a:alpha val="80000"/>
-                  </a:schemeClr>
-                </a:solidFill>
-                <a:latin typeface="a로케트" panose="02020600000000000000" pitchFamily="18" charset="-127"/>
-                <a:ea typeface="a로케트" panose="02020600000000000000" pitchFamily="18" charset="-127"/>
-              </a:rPr>
-              <a:t>GRU</a:t>
-            </a:r>
-            <a:r>
-              <a:rPr lang="ko-KR" altLang="en-US" sz="5000" dirty="0">
-                <a:ln>
-                  <a:solidFill>
-                    <a:srgbClr val="404040">
-                      <a:alpha val="0"/>
-                    </a:srgbClr>
-                  </a:solidFill>
-                </a:ln>
-                <a:solidFill>
-                  <a:schemeClr val="accent2">
-                    <a:lumMod val="50000"/>
-                    <a:alpha val="80000"/>
-                  </a:schemeClr>
-                </a:solidFill>
-                <a:latin typeface="a로케트" panose="02020600000000000000" pitchFamily="18" charset="-127"/>
-                <a:ea typeface="a로케트" panose="02020600000000000000" pitchFamily="18" charset="-127"/>
-              </a:rPr>
-              <a:t> </a:t>
-            </a:r>
-            <a:r>
-              <a:rPr lang="en-US" altLang="ko-KR" sz="5000" dirty="0">
-                <a:ln>
-                  <a:solidFill>
-                    <a:srgbClr val="404040">
-                      <a:alpha val="0"/>
-                    </a:srgbClr>
-                  </a:solidFill>
-                </a:ln>
-                <a:solidFill>
-                  <a:schemeClr val="accent2">
-                    <a:lumMod val="50000"/>
-                    <a:alpha val="80000"/>
-                  </a:schemeClr>
-                </a:solidFill>
-                <a:latin typeface="a로케트" panose="02020600000000000000" pitchFamily="18" charset="-127"/>
-                <a:ea typeface="a로케트" panose="02020600000000000000" pitchFamily="18" charset="-127"/>
-              </a:rPr>
-              <a:t>with Attention</a:t>
-            </a:r>
-          </a:p>
-        </p:txBody>
-      </p:sp>
-      <p:cxnSp>
-        <p:nvCxnSpPr>
-          <p:cNvPr id="13" name="직선 연결선 12">
-            <a:extLst>
-              <a:ext uri="{FF2B5EF4-FFF2-40B4-BE49-F238E27FC236}">
-                <a16:creationId xmlns:a16="http://schemas.microsoft.com/office/drawing/2014/main" id="{B3A0E353-3300-40D0-9830-B5FDE558AB25}"/>
-              </a:ext>
-            </a:extLst>
-          </p:cNvPr>
-          <p:cNvCxnSpPr>
-            <a:cxnSpLocks/>
-          </p:cNvCxnSpPr>
-          <p:nvPr/>
-        </p:nvCxnSpPr>
-        <p:spPr>
-          <a:xfrm flipV="1">
-            <a:off x="0" y="1958625"/>
-            <a:ext cx="6672064" cy="1"/>
-          </a:xfrm>
-          <a:prstGeom prst="line">
-            <a:avLst/>
-          </a:prstGeom>
-          <a:ln w="41275">
-            <a:solidFill>
-              <a:schemeClr val="accent2">
-                <a:lumMod val="50000"/>
-              </a:schemeClr>
-            </a:solidFill>
-          </a:ln>
-        </p:spPr>
-        <p:style>
-          <a:lnRef idx="1">
-            <a:schemeClr val="dk1"/>
-          </a:lnRef>
-          <a:fillRef idx="0">
-            <a:schemeClr val="dk1"/>
-          </a:fillRef>
-          <a:effectRef idx="0">
-            <a:schemeClr val="dk1"/>
-          </a:effectRef>
-          <a:fontRef idx="minor">
-            <a:schemeClr val="tx1"/>
-          </a:fontRef>
-        </p:style>
-      </p:cxnSp>
-      <p:pic>
-        <p:nvPicPr>
-          <p:cNvPr id="14" name="그림 13">
-            <a:extLst>
-              <a:ext uri="{FF2B5EF4-FFF2-40B4-BE49-F238E27FC236}">
-                <a16:creationId xmlns:a16="http://schemas.microsoft.com/office/drawing/2014/main" id="{5222A201-5966-4D90-AF9C-166D68687E4E}"/>
-              </a:ext>
-            </a:extLst>
-          </p:cNvPr>
-          <p:cNvPicPr>
-            <a:picLocks noChangeAspect="1"/>
-          </p:cNvPicPr>
-          <p:nvPr/>
-        </p:nvPicPr>
-        <p:blipFill>
-          <a:blip r:embed="rId2">
-            <a:extLst>
-              <a:ext uri="{28A0092B-C50C-407E-A947-70E740481C1C}">
-                <a14:useLocalDpi xmlns:a14="http://schemas.microsoft.com/office/drawing/2010/main" val="0"/>
-              </a:ext>
-            </a:extLst>
-          </a:blip>
-          <a:stretch>
-            <a:fillRect/>
-          </a:stretch>
-        </p:blipFill>
-        <p:spPr>
-          <a:xfrm>
-            <a:off x="627816" y="2363701"/>
-            <a:ext cx="5449060" cy="3610479"/>
-          </a:xfrm>
-          <a:prstGeom prst="rect">
-            <a:avLst/>
-          </a:prstGeom>
-        </p:spPr>
-      </p:pic>
-      <p:sp>
-        <p:nvSpPr>
-          <p:cNvPr id="15" name="TextBox 14">
-            <a:extLst>
-              <a:ext uri="{FF2B5EF4-FFF2-40B4-BE49-F238E27FC236}">
-                <a16:creationId xmlns:a16="http://schemas.microsoft.com/office/drawing/2014/main" id="{656ED7F1-8AF8-4B22-AA9A-4A4347C22358}"/>
-              </a:ext>
-            </a:extLst>
-          </p:cNvPr>
-          <p:cNvSpPr txBox="1"/>
-          <p:nvPr/>
-        </p:nvSpPr>
-        <p:spPr>
-          <a:xfrm>
-            <a:off x="6318252" y="2363701"/>
-            <a:ext cx="5928204" cy="1396536"/>
-          </a:xfrm>
-          <a:prstGeom prst="rect">
-            <a:avLst/>
-          </a:prstGeom>
-          <a:noFill/>
-        </p:spPr>
-        <p:txBody>
-          <a:bodyPr wrap="square" rtlCol="0">
-            <a:spAutoFit/>
-          </a:bodyPr>
-          <a:lstStyle/>
-          <a:p>
-            <a:pPr marL="342900" indent="-342900">
-              <a:lnSpc>
-                <a:spcPct val="150000"/>
-              </a:lnSpc>
-              <a:buFontTx/>
-              <a:buAutoNum type="arabicPeriod"/>
-            </a:pPr>
-            <a:r>
-              <a:rPr lang="en-US" altLang="ko-KR" sz="3000" dirty="0" err="1">
-                <a:latin typeface="a고운글씨M" panose="02020600000000000000" pitchFamily="18" charset="-127"/>
-                <a:ea typeface="a고운글씨M" panose="02020600000000000000" pitchFamily="18" charset="-127"/>
-              </a:rPr>
-              <a:t>Bahdanau</a:t>
-            </a:r>
-            <a:r>
-              <a:rPr lang="en-US" altLang="ko-KR" sz="3000" dirty="0">
-                <a:latin typeface="a고운글씨M" panose="02020600000000000000" pitchFamily="18" charset="-127"/>
-                <a:ea typeface="a고운글씨M" panose="02020600000000000000" pitchFamily="18" charset="-127"/>
-              </a:rPr>
-              <a:t> attention</a:t>
-            </a:r>
-          </a:p>
-          <a:p>
-            <a:pPr marL="342900" indent="-342900">
-              <a:lnSpc>
-                <a:spcPct val="150000"/>
-              </a:lnSpc>
-              <a:buAutoNum type="arabicPeriod"/>
-            </a:pPr>
-            <a:r>
-              <a:rPr lang="en-US" altLang="ko-KR" sz="3000" dirty="0">
-                <a:latin typeface="a고운글씨M" panose="02020600000000000000" pitchFamily="18" charset="-127"/>
-                <a:ea typeface="a고운글씨M" panose="02020600000000000000" pitchFamily="18" charset="-127"/>
-              </a:rPr>
-              <a:t>Luong attention (general score) </a:t>
-            </a:r>
-          </a:p>
-        </p:txBody>
-      </p:sp>
-      <p:pic>
-        <p:nvPicPr>
-          <p:cNvPr id="17" name="그림 16">
-            <a:extLst>
-              <a:ext uri="{FF2B5EF4-FFF2-40B4-BE49-F238E27FC236}">
-                <a16:creationId xmlns:a16="http://schemas.microsoft.com/office/drawing/2014/main" id="{7409E7D5-B001-4BC5-902E-61D44991731C}"/>
-              </a:ext>
-            </a:extLst>
-          </p:cNvPr>
-          <p:cNvPicPr>
-            <a:picLocks noChangeAspect="1"/>
-          </p:cNvPicPr>
-          <p:nvPr/>
-        </p:nvPicPr>
-        <p:blipFill rotWithShape="1">
-          <a:blip r:embed="rId3" cstate="print">
-            <a:extLst>
-              <a:ext uri="{28A0092B-C50C-407E-A947-70E740481C1C}">
-                <a14:useLocalDpi xmlns:a14="http://schemas.microsoft.com/office/drawing/2010/main" val="0"/>
-              </a:ext>
-            </a:extLst>
-          </a:blip>
-          <a:srcRect r="10817"/>
-          <a:stretch/>
-        </p:blipFill>
-        <p:spPr>
-          <a:xfrm>
-            <a:off x="5159896" y="5698118"/>
-            <a:ext cx="6900312" cy="782035"/>
-          </a:xfrm>
-          <a:prstGeom prst="rect">
-            <a:avLst/>
-          </a:prstGeom>
-        </p:spPr>
-      </p:pic>
-      <p:pic>
-        <p:nvPicPr>
-          <p:cNvPr id="19" name="그림 18">
-            <a:extLst>
-              <a:ext uri="{FF2B5EF4-FFF2-40B4-BE49-F238E27FC236}">
-                <a16:creationId xmlns:a16="http://schemas.microsoft.com/office/drawing/2014/main" id="{7CCE3272-45A5-4624-A6A0-5AF76031545F}"/>
-              </a:ext>
-            </a:extLst>
-          </p:cNvPr>
-          <p:cNvPicPr>
-            <a:picLocks noChangeAspect="1"/>
-          </p:cNvPicPr>
-          <p:nvPr/>
-        </p:nvPicPr>
-        <p:blipFill>
-          <a:blip r:embed="rId4">
-            <a:extLst>
-              <a:ext uri="{28A0092B-C50C-407E-A947-70E740481C1C}">
-                <a14:useLocalDpi xmlns:a14="http://schemas.microsoft.com/office/drawing/2010/main" val="0"/>
-              </a:ext>
-            </a:extLst>
-          </a:blip>
-          <a:stretch>
-            <a:fillRect/>
-          </a:stretch>
-        </p:blipFill>
-        <p:spPr>
-          <a:xfrm>
-            <a:off x="7176120" y="4113335"/>
-            <a:ext cx="4686954" cy="1143160"/>
-          </a:xfrm>
-          <a:prstGeom prst="rect">
-            <a:avLst/>
-          </a:prstGeom>
-        </p:spPr>
-      </p:pic>
-      <p:sp>
-        <p:nvSpPr>
-          <p:cNvPr id="20" name="TextBox 19">
-            <a:extLst>
-              <a:ext uri="{FF2B5EF4-FFF2-40B4-BE49-F238E27FC236}">
-                <a16:creationId xmlns:a16="http://schemas.microsoft.com/office/drawing/2014/main" id="{161D965E-B859-4DFC-97B2-F8732FB0ED09}"/>
-              </a:ext>
-            </a:extLst>
-          </p:cNvPr>
-          <p:cNvSpPr txBox="1"/>
-          <p:nvPr/>
-        </p:nvSpPr>
-        <p:spPr>
-          <a:xfrm>
-            <a:off x="6411438" y="4484860"/>
-            <a:ext cx="1080120" cy="400110"/>
-          </a:xfrm>
-          <a:prstGeom prst="rect">
-            <a:avLst/>
-          </a:prstGeom>
-          <a:noFill/>
-        </p:spPr>
-        <p:txBody>
-          <a:bodyPr wrap="square" rtlCol="0">
-            <a:spAutoFit/>
-          </a:bodyPr>
-          <a:lstStyle/>
-          <a:p>
-            <a:r>
-              <a:rPr lang="en-US" altLang="ko-KR" sz="2000" dirty="0">
-                <a:latin typeface="a고운글씨B" panose="02020600000000000000" pitchFamily="18" charset="-127"/>
-                <a:ea typeface="a고운글씨B" panose="02020600000000000000" pitchFamily="18" charset="-127"/>
-              </a:rPr>
-              <a:t>Luong</a:t>
-            </a:r>
-            <a:endParaRPr lang="ko-KR" altLang="en-US" sz="2000" dirty="0">
-              <a:latin typeface="a고운글씨B" panose="02020600000000000000" pitchFamily="18" charset="-127"/>
-              <a:ea typeface="a고운글씨B" panose="02020600000000000000" pitchFamily="18" charset="-127"/>
-            </a:endParaRPr>
-          </a:p>
-        </p:txBody>
-      </p:sp>
-      <p:pic>
-        <p:nvPicPr>
-          <p:cNvPr id="21" name="그림 20">
-            <a:extLst>
-              <a:ext uri="{FF2B5EF4-FFF2-40B4-BE49-F238E27FC236}">
-                <a16:creationId xmlns:a16="http://schemas.microsoft.com/office/drawing/2014/main" id="{A6540525-99C8-47BC-89B8-3084BC0A7481}"/>
-              </a:ext>
-            </a:extLst>
-          </p:cNvPr>
-          <p:cNvPicPr>
-            <a:picLocks noChangeAspect="1"/>
-          </p:cNvPicPr>
-          <p:nvPr/>
-        </p:nvPicPr>
-        <p:blipFill>
-          <a:blip r:embed="rId5">
-            <a:extLst>
-              <a:ext uri="{BEBA8EAE-BF5A-486C-A8C5-ECC9F3942E4B}">
-                <a14:imgProps xmlns:a14="http://schemas.microsoft.com/office/drawing/2010/main">
-                  <a14:imgLayer r:embed="rId6">
-                    <a14:imgEffect>
-                      <a14:backgroundRemoval t="10000" b="97800" l="9945" r="98343">
-                        <a14:foregroundMark x1="82873" y1="69200" x2="68232" y2="72200"/>
-                        <a14:foregroundMark x1="68232" y1="72200" x2="69061" y2="83800"/>
-                        <a14:foregroundMark x1="69061" y1="83800" x2="71271" y2="83200"/>
-                        <a14:foregroundMark x1="82873" y1="72000" x2="86188" y2="83800"/>
-                        <a14:foregroundMark x1="86188" y1="83800" x2="72376" y2="87800"/>
-                        <a14:foregroundMark x1="72376" y1="87800" x2="61050" y2="80400"/>
-                        <a14:foregroundMark x1="61050" y1="80400" x2="60497" y2="78000"/>
-                        <a14:foregroundMark x1="54696" y1="87400" x2="58011" y2="90000"/>
-                        <a14:foregroundMark x1="56354" y1="85800" x2="58564" y2="90800"/>
-                        <a14:foregroundMark x1="54144" y1="87600" x2="58840" y2="90400"/>
-                        <a14:foregroundMark x1="67680" y1="92200" x2="71547" y2="91400"/>
-                        <a14:foregroundMark x1="87845" y1="69800" x2="88398" y2="73200"/>
-                        <a14:foregroundMark x1="90055" y1="67000" x2="89503" y2="73000"/>
-                        <a14:foregroundMark x1="92541" y1="64000" x2="92541" y2="71800"/>
-                        <a14:foregroundMark x1="88398" y1="84200" x2="98343" y2="87800"/>
-                        <a14:foregroundMark x1="65470" y1="92000" x2="68232" y2="97800"/>
-                        <a14:foregroundMark x1="88674" y1="84400" x2="93923" y2="86800"/>
-                      </a14:backgroundRemoval>
-                    </a14:imgEffect>
-                  </a14:imgLayer>
-                </a14:imgProps>
-              </a:ext>
-              <a:ext uri="{28A0092B-C50C-407E-A947-70E740481C1C}">
-                <a14:useLocalDpi xmlns:a14="http://schemas.microsoft.com/office/drawing/2010/main" val="0"/>
-              </a:ext>
-            </a:extLst>
-          </a:blip>
-          <a:stretch>
-            <a:fillRect/>
-          </a:stretch>
-        </p:blipFill>
-        <p:spPr>
-          <a:xfrm rot="16200000">
-            <a:off x="7595024" y="-735943"/>
-            <a:ext cx="3861034" cy="5332919"/>
-          </a:xfrm>
-          <a:prstGeom prst="rect">
-            <a:avLst/>
-          </a:prstGeom>
-          <a:ln w="25400">
-            <a:noFill/>
-          </a:ln>
-        </p:spPr>
-      </p:pic>
-    </p:spTree>
-    <p:extLst>
-      <p:ext uri="{BB962C8B-B14F-4D97-AF65-F5344CB8AC3E}">
-        <p14:creationId xmlns:p14="http://schemas.microsoft.com/office/powerpoint/2010/main" val="433916420"/>
-      </p:ext>
-    </p:extLst>
-  </p:cSld>
-  <p:clrMapOvr>
-    <a:masterClrMapping/>
-  </p:clrMapOvr>
-</p:sld>
-</file>
-
-<file path=ppt/slides/slide13.xml><?xml version="1.0" encoding="utf-8"?>
-<p:sld xmlns:a="http://schemas.openxmlformats.org/drawingml/2006/main" xmlns:r="http://schemas.openxmlformats.org/officeDocument/2006/relationships" xmlns:p="http://schemas.openxmlformats.org/presentationml/2006/main">
-  <p:cSld>
-    <p:spTree>
-      <p:nvGrpSpPr>
-        <p:cNvPr id="1" name=""/>
-        <p:cNvGrpSpPr/>
-        <p:nvPr/>
-      </p:nvGrpSpPr>
-      <p:grpSpPr>
-        <a:xfrm>
-          <a:off x="0" y="0"/>
-          <a:ext cx="0" cy="0"/>
-          <a:chOff x="0" y="0"/>
-          <a:chExt cx="0" cy="0"/>
-        </a:xfrm>
-      </p:grpSpPr>
       <p:pic>
         <p:nvPicPr>
           <p:cNvPr id="8" name="그림 7">
@@ -5020,6 +4567,459 @@
     <p:extLst>
       <p:ext uri="{BB962C8B-B14F-4D97-AF65-F5344CB8AC3E}">
         <p14:creationId xmlns:p14="http://schemas.microsoft.com/office/powerpoint/2010/main" val="994326243"/>
+      </p:ext>
+    </p:extLst>
+  </p:cSld>
+  <p:clrMapOvr>
+    <a:masterClrMapping/>
+  </p:clrMapOvr>
+</p:sld>
+</file>
+
+<file path=ppt/slides/slide13.xml><?xml version="1.0" encoding="utf-8"?>
+<p:sld xmlns:a="http://schemas.openxmlformats.org/drawingml/2006/main" xmlns:r="http://schemas.openxmlformats.org/officeDocument/2006/relationships" xmlns:p="http://schemas.openxmlformats.org/presentationml/2006/main">
+  <p:cSld>
+    <p:spTree>
+      <p:nvGrpSpPr>
+        <p:cNvPr id="1" name=""/>
+        <p:cNvGrpSpPr/>
+        <p:nvPr/>
+      </p:nvGrpSpPr>
+      <p:grpSpPr>
+        <a:xfrm>
+          <a:off x="0" y="0"/>
+          <a:ext cx="0" cy="0"/>
+          <a:chOff x="0" y="0"/>
+          <a:chExt cx="0" cy="0"/>
+        </a:xfrm>
+      </p:grpSpPr>
+      <p:sp>
+        <p:nvSpPr>
+          <p:cNvPr id="11" name="TextBox 10">
+            <a:extLst>
+              <a:ext uri="{FF2B5EF4-FFF2-40B4-BE49-F238E27FC236}">
+                <a16:creationId xmlns:a16="http://schemas.microsoft.com/office/drawing/2014/main" id="{5D96A384-5D4B-4D16-9F08-2EA6932C468D}"/>
+              </a:ext>
+            </a:extLst>
+          </p:cNvPr>
+          <p:cNvSpPr txBox="1"/>
+          <p:nvPr/>
+        </p:nvSpPr>
+        <p:spPr>
+          <a:xfrm>
+            <a:off x="839416" y="833371"/>
+            <a:ext cx="6652142" cy="938719"/>
+          </a:xfrm>
+          <a:prstGeom prst="rect">
+            <a:avLst/>
+          </a:prstGeom>
+          <a:noFill/>
+        </p:spPr>
+        <p:txBody>
+          <a:bodyPr wrap="none" rtlCol="0">
+            <a:spAutoFit/>
+          </a:bodyPr>
+          <a:lstStyle/>
+          <a:p>
+            <a:pPr>
+              <a:lnSpc>
+                <a:spcPct val="120000"/>
+              </a:lnSpc>
+            </a:pPr>
+            <a:r>
+              <a:rPr lang="en-US" altLang="ko-KR" sz="5000" dirty="0">
+                <a:ln>
+                  <a:solidFill>
+                    <a:srgbClr val="404040">
+                      <a:alpha val="0"/>
+                    </a:srgbClr>
+                  </a:solidFill>
+                </a:ln>
+                <a:solidFill>
+                  <a:schemeClr val="accent2">
+                    <a:lumMod val="50000"/>
+                    <a:alpha val="80000"/>
+                  </a:schemeClr>
+                </a:solidFill>
+                <a:latin typeface="a로케트" panose="02020600000000000000" pitchFamily="18" charset="-127"/>
+                <a:ea typeface="a로케트" panose="02020600000000000000" pitchFamily="18" charset="-127"/>
+              </a:rPr>
+              <a:t>GRU</a:t>
+            </a:r>
+            <a:r>
+              <a:rPr lang="ko-KR" altLang="en-US" sz="5000" dirty="0">
+                <a:ln>
+                  <a:solidFill>
+                    <a:srgbClr val="404040">
+                      <a:alpha val="0"/>
+                    </a:srgbClr>
+                  </a:solidFill>
+                </a:ln>
+                <a:solidFill>
+                  <a:schemeClr val="accent2">
+                    <a:lumMod val="50000"/>
+                    <a:alpha val="80000"/>
+                  </a:schemeClr>
+                </a:solidFill>
+                <a:latin typeface="a로케트" panose="02020600000000000000" pitchFamily="18" charset="-127"/>
+                <a:ea typeface="a로케트" panose="02020600000000000000" pitchFamily="18" charset="-127"/>
+              </a:rPr>
+              <a:t> </a:t>
+            </a:r>
+            <a:r>
+              <a:rPr lang="en-US" altLang="ko-KR" sz="5000" dirty="0">
+                <a:ln>
+                  <a:solidFill>
+                    <a:srgbClr val="404040">
+                      <a:alpha val="0"/>
+                    </a:srgbClr>
+                  </a:solidFill>
+                </a:ln>
+                <a:solidFill>
+                  <a:schemeClr val="accent2">
+                    <a:lumMod val="50000"/>
+                    <a:alpha val="80000"/>
+                  </a:schemeClr>
+                </a:solidFill>
+                <a:latin typeface="a로케트" panose="02020600000000000000" pitchFamily="18" charset="-127"/>
+                <a:ea typeface="a로케트" panose="02020600000000000000" pitchFamily="18" charset="-127"/>
+              </a:rPr>
+              <a:t>with Attention</a:t>
+            </a:r>
+          </a:p>
+        </p:txBody>
+      </p:sp>
+      <p:cxnSp>
+        <p:nvCxnSpPr>
+          <p:cNvPr id="13" name="직선 연결선 12">
+            <a:extLst>
+              <a:ext uri="{FF2B5EF4-FFF2-40B4-BE49-F238E27FC236}">
+                <a16:creationId xmlns:a16="http://schemas.microsoft.com/office/drawing/2014/main" id="{B3A0E353-3300-40D0-9830-B5FDE558AB25}"/>
+              </a:ext>
+            </a:extLst>
+          </p:cNvPr>
+          <p:cNvCxnSpPr>
+            <a:cxnSpLocks/>
+          </p:cNvCxnSpPr>
+          <p:nvPr/>
+        </p:nvCxnSpPr>
+        <p:spPr>
+          <a:xfrm flipV="1">
+            <a:off x="0" y="1958625"/>
+            <a:ext cx="6672064" cy="1"/>
+          </a:xfrm>
+          <a:prstGeom prst="line">
+            <a:avLst/>
+          </a:prstGeom>
+          <a:ln w="41275">
+            <a:solidFill>
+              <a:schemeClr val="accent2">
+                <a:lumMod val="50000"/>
+              </a:schemeClr>
+            </a:solidFill>
+          </a:ln>
+        </p:spPr>
+        <p:style>
+          <a:lnRef idx="1">
+            <a:schemeClr val="dk1"/>
+          </a:lnRef>
+          <a:fillRef idx="0">
+            <a:schemeClr val="dk1"/>
+          </a:fillRef>
+          <a:effectRef idx="0">
+            <a:schemeClr val="dk1"/>
+          </a:effectRef>
+          <a:fontRef idx="minor">
+            <a:schemeClr val="tx1"/>
+          </a:fontRef>
+        </p:style>
+      </p:cxnSp>
+      <p:pic>
+        <p:nvPicPr>
+          <p:cNvPr id="14" name="그림 13">
+            <a:extLst>
+              <a:ext uri="{FF2B5EF4-FFF2-40B4-BE49-F238E27FC236}">
+                <a16:creationId xmlns:a16="http://schemas.microsoft.com/office/drawing/2014/main" id="{5222A201-5966-4D90-AF9C-166D68687E4E}"/>
+              </a:ext>
+            </a:extLst>
+          </p:cNvPr>
+          <p:cNvPicPr>
+            <a:picLocks noChangeAspect="1"/>
+          </p:cNvPicPr>
+          <p:nvPr/>
+        </p:nvPicPr>
+        <p:blipFill>
+          <a:blip r:embed="rId2">
+            <a:extLst>
+              <a:ext uri="{28A0092B-C50C-407E-A947-70E740481C1C}">
+                <a14:useLocalDpi xmlns:a14="http://schemas.microsoft.com/office/drawing/2010/main" val="0"/>
+              </a:ext>
+            </a:extLst>
+          </a:blip>
+          <a:stretch>
+            <a:fillRect/>
+          </a:stretch>
+        </p:blipFill>
+        <p:spPr>
+          <a:xfrm>
+            <a:off x="627816" y="2363701"/>
+            <a:ext cx="5449060" cy="3610479"/>
+          </a:xfrm>
+          <a:prstGeom prst="rect">
+            <a:avLst/>
+          </a:prstGeom>
+        </p:spPr>
+      </p:pic>
+      <p:sp>
+        <p:nvSpPr>
+          <p:cNvPr id="15" name="TextBox 14">
+            <a:extLst>
+              <a:ext uri="{FF2B5EF4-FFF2-40B4-BE49-F238E27FC236}">
+                <a16:creationId xmlns:a16="http://schemas.microsoft.com/office/drawing/2014/main" id="{656ED7F1-8AF8-4B22-AA9A-4A4347C22358}"/>
+              </a:ext>
+            </a:extLst>
+          </p:cNvPr>
+          <p:cNvSpPr txBox="1"/>
+          <p:nvPr/>
+        </p:nvSpPr>
+        <p:spPr>
+          <a:xfrm>
+            <a:off x="6318252" y="2363701"/>
+            <a:ext cx="5928204" cy="1396536"/>
+          </a:xfrm>
+          <a:prstGeom prst="rect">
+            <a:avLst/>
+          </a:prstGeom>
+          <a:noFill/>
+        </p:spPr>
+        <p:txBody>
+          <a:bodyPr wrap="square" rtlCol="0">
+            <a:spAutoFit/>
+          </a:bodyPr>
+          <a:lstStyle/>
+          <a:p>
+            <a:pPr marL="342900" indent="-342900">
+              <a:lnSpc>
+                <a:spcPct val="150000"/>
+              </a:lnSpc>
+              <a:buFontTx/>
+              <a:buAutoNum type="arabicPeriod"/>
+            </a:pPr>
+            <a:r>
+              <a:rPr lang="en-US" altLang="ko-KR" sz="3000" dirty="0" err="1">
+                <a:latin typeface="a고운글씨M" panose="02020600000000000000" pitchFamily="18" charset="-127"/>
+                <a:ea typeface="a고운글씨M" panose="02020600000000000000" pitchFamily="18" charset="-127"/>
+              </a:rPr>
+              <a:t>Bahdanau</a:t>
+            </a:r>
+            <a:r>
+              <a:rPr lang="en-US" altLang="ko-KR" sz="3000" dirty="0">
+                <a:latin typeface="a고운글씨M" panose="02020600000000000000" pitchFamily="18" charset="-127"/>
+                <a:ea typeface="a고운글씨M" panose="02020600000000000000" pitchFamily="18" charset="-127"/>
+              </a:rPr>
+              <a:t> attention</a:t>
+            </a:r>
+          </a:p>
+          <a:p>
+            <a:pPr marL="342900" indent="-342900">
+              <a:lnSpc>
+                <a:spcPct val="150000"/>
+              </a:lnSpc>
+              <a:buAutoNum type="arabicPeriod"/>
+            </a:pPr>
+            <a:r>
+              <a:rPr lang="en-US" altLang="ko-KR" sz="3000" dirty="0">
+                <a:latin typeface="a고운글씨M" panose="02020600000000000000" pitchFamily="18" charset="-127"/>
+                <a:ea typeface="a고운글씨M" panose="02020600000000000000" pitchFamily="18" charset="-127"/>
+              </a:rPr>
+              <a:t>Luong attention (general score) </a:t>
+            </a:r>
+          </a:p>
+        </p:txBody>
+      </p:sp>
+      <p:pic>
+        <p:nvPicPr>
+          <p:cNvPr id="17" name="그림 16">
+            <a:extLst>
+              <a:ext uri="{FF2B5EF4-FFF2-40B4-BE49-F238E27FC236}">
+                <a16:creationId xmlns:a16="http://schemas.microsoft.com/office/drawing/2014/main" id="{7409E7D5-B001-4BC5-902E-61D44991731C}"/>
+              </a:ext>
+            </a:extLst>
+          </p:cNvPr>
+          <p:cNvPicPr>
+            <a:picLocks noChangeAspect="1"/>
+          </p:cNvPicPr>
+          <p:nvPr/>
+        </p:nvPicPr>
+        <p:blipFill rotWithShape="1">
+          <a:blip r:embed="rId3" cstate="print">
+            <a:extLst>
+              <a:ext uri="{28A0092B-C50C-407E-A947-70E740481C1C}">
+                <a14:useLocalDpi xmlns:a14="http://schemas.microsoft.com/office/drawing/2010/main" val="0"/>
+              </a:ext>
+            </a:extLst>
+          </a:blip>
+          <a:srcRect r="10817"/>
+          <a:stretch/>
+        </p:blipFill>
+        <p:spPr>
+          <a:xfrm>
+            <a:off x="5159896" y="5698118"/>
+            <a:ext cx="6900312" cy="782035"/>
+          </a:xfrm>
+          <a:prstGeom prst="rect">
+            <a:avLst/>
+          </a:prstGeom>
+        </p:spPr>
+      </p:pic>
+      <p:pic>
+        <p:nvPicPr>
+          <p:cNvPr id="19" name="그림 18">
+            <a:extLst>
+              <a:ext uri="{FF2B5EF4-FFF2-40B4-BE49-F238E27FC236}">
+                <a16:creationId xmlns:a16="http://schemas.microsoft.com/office/drawing/2014/main" id="{7CCE3272-45A5-4624-A6A0-5AF76031545F}"/>
+              </a:ext>
+            </a:extLst>
+          </p:cNvPr>
+          <p:cNvPicPr>
+            <a:picLocks noChangeAspect="1"/>
+          </p:cNvPicPr>
+          <p:nvPr/>
+        </p:nvPicPr>
+        <p:blipFill>
+          <a:blip r:embed="rId4">
+            <a:extLst>
+              <a:ext uri="{28A0092B-C50C-407E-A947-70E740481C1C}">
+                <a14:useLocalDpi xmlns:a14="http://schemas.microsoft.com/office/drawing/2010/main" val="0"/>
+              </a:ext>
+            </a:extLst>
+          </a:blip>
+          <a:stretch>
+            <a:fillRect/>
+          </a:stretch>
+        </p:blipFill>
+        <p:spPr>
+          <a:xfrm>
+            <a:off x="7176120" y="4113335"/>
+            <a:ext cx="4686954" cy="1143160"/>
+          </a:xfrm>
+          <a:prstGeom prst="rect">
+            <a:avLst/>
+          </a:prstGeom>
+        </p:spPr>
+      </p:pic>
+      <p:sp>
+        <p:nvSpPr>
+          <p:cNvPr id="20" name="TextBox 19">
+            <a:extLst>
+              <a:ext uri="{FF2B5EF4-FFF2-40B4-BE49-F238E27FC236}">
+                <a16:creationId xmlns:a16="http://schemas.microsoft.com/office/drawing/2014/main" id="{161D965E-B859-4DFC-97B2-F8732FB0ED09}"/>
+              </a:ext>
+            </a:extLst>
+          </p:cNvPr>
+          <p:cNvSpPr txBox="1"/>
+          <p:nvPr/>
+        </p:nvSpPr>
+        <p:spPr>
+          <a:xfrm>
+            <a:off x="6411438" y="4484860"/>
+            <a:ext cx="1080120" cy="400110"/>
+          </a:xfrm>
+          <a:prstGeom prst="rect">
+            <a:avLst/>
+          </a:prstGeom>
+          <a:noFill/>
+        </p:spPr>
+        <p:txBody>
+          <a:bodyPr wrap="square" rtlCol="0">
+            <a:spAutoFit/>
+          </a:bodyPr>
+          <a:lstStyle/>
+          <a:p>
+            <a:r>
+              <a:rPr lang="en-US" altLang="ko-KR" sz="2000" dirty="0">
+                <a:latin typeface="a고운글씨B" panose="02020600000000000000" pitchFamily="18" charset="-127"/>
+                <a:ea typeface="a고운글씨B" panose="02020600000000000000" pitchFamily="18" charset="-127"/>
+              </a:rPr>
+              <a:t>Luong</a:t>
+            </a:r>
+            <a:endParaRPr lang="ko-KR" altLang="en-US" sz="2000" dirty="0">
+              <a:latin typeface="a고운글씨B" panose="02020600000000000000" pitchFamily="18" charset="-127"/>
+              <a:ea typeface="a고운글씨B" panose="02020600000000000000" pitchFamily="18" charset="-127"/>
+            </a:endParaRPr>
+          </a:p>
+        </p:txBody>
+      </p:sp>
+      <p:pic>
+        <p:nvPicPr>
+          <p:cNvPr id="21" name="그림 20">
+            <a:extLst>
+              <a:ext uri="{FF2B5EF4-FFF2-40B4-BE49-F238E27FC236}">
+                <a16:creationId xmlns:a16="http://schemas.microsoft.com/office/drawing/2014/main" id="{A6540525-99C8-47BC-89B8-3084BC0A7481}"/>
+              </a:ext>
+            </a:extLst>
+          </p:cNvPr>
+          <p:cNvPicPr>
+            <a:picLocks noChangeAspect="1"/>
+          </p:cNvPicPr>
+          <p:nvPr/>
+        </p:nvPicPr>
+        <p:blipFill>
+          <a:blip r:embed="rId5">
+            <a:extLst>
+              <a:ext uri="{BEBA8EAE-BF5A-486C-A8C5-ECC9F3942E4B}">
+                <a14:imgProps xmlns:a14="http://schemas.microsoft.com/office/drawing/2010/main">
+                  <a14:imgLayer r:embed="rId6">
+                    <a14:imgEffect>
+                      <a14:backgroundRemoval t="10000" b="97800" l="9945" r="98343">
+                        <a14:foregroundMark x1="82873" y1="69200" x2="68232" y2="72200"/>
+                        <a14:foregroundMark x1="68232" y1="72200" x2="69061" y2="83800"/>
+                        <a14:foregroundMark x1="69061" y1="83800" x2="71271" y2="83200"/>
+                        <a14:foregroundMark x1="82873" y1="72000" x2="86188" y2="83800"/>
+                        <a14:foregroundMark x1="86188" y1="83800" x2="72376" y2="87800"/>
+                        <a14:foregroundMark x1="72376" y1="87800" x2="61050" y2="80400"/>
+                        <a14:foregroundMark x1="61050" y1="80400" x2="60497" y2="78000"/>
+                        <a14:foregroundMark x1="54696" y1="87400" x2="58011" y2="90000"/>
+                        <a14:foregroundMark x1="56354" y1="85800" x2="58564" y2="90800"/>
+                        <a14:foregroundMark x1="54144" y1="87600" x2="58840" y2="90400"/>
+                        <a14:foregroundMark x1="67680" y1="92200" x2="71547" y2="91400"/>
+                        <a14:foregroundMark x1="87845" y1="69800" x2="88398" y2="73200"/>
+                        <a14:foregroundMark x1="90055" y1="67000" x2="89503" y2="73000"/>
+                        <a14:foregroundMark x1="92541" y1="64000" x2="92541" y2="71800"/>
+                        <a14:foregroundMark x1="88398" y1="84200" x2="98343" y2="87800"/>
+                        <a14:foregroundMark x1="65470" y1="92000" x2="68232" y2="97800"/>
+                        <a14:foregroundMark x1="88674" y1="84400" x2="93923" y2="86800"/>
+                      </a14:backgroundRemoval>
+                    </a14:imgEffect>
+                  </a14:imgLayer>
+                </a14:imgProps>
+              </a:ext>
+              <a:ext uri="{28A0092B-C50C-407E-A947-70E740481C1C}">
+                <a14:useLocalDpi xmlns:a14="http://schemas.microsoft.com/office/drawing/2010/main" val="0"/>
+              </a:ext>
+            </a:extLst>
+          </a:blip>
+          <a:stretch>
+            <a:fillRect/>
+          </a:stretch>
+        </p:blipFill>
+        <p:spPr>
+          <a:xfrm rot="16200000">
+            <a:off x="7595024" y="-735943"/>
+            <a:ext cx="3861034" cy="5332919"/>
+          </a:xfrm>
+          <a:prstGeom prst="rect">
+            <a:avLst/>
+          </a:prstGeom>
+          <a:ln w="25400">
+            <a:noFill/>
+          </a:ln>
+        </p:spPr>
+      </p:pic>
+    </p:spTree>
+    <p:extLst>
+      <p:ext uri="{BB962C8B-B14F-4D97-AF65-F5344CB8AC3E}">
+        <p14:creationId xmlns:p14="http://schemas.microsoft.com/office/powerpoint/2010/main" val="433916420"/>
       </p:ext>
     </p:extLst>
   </p:cSld>
@@ -9081,7 +9081,7 @@
             </a:p>
             <a:p>
               <a:r>
-                <a:rPr lang="en-US" altLang="ko-KR" sz="2000" dirty="0">
+                <a:rPr lang="ko-KR" altLang="en-US" sz="2000" dirty="0">
                   <a:solidFill>
                     <a:schemeClr val="accent2">
                       <a:lumMod val="50000"/>
@@ -9090,8 +9090,19 @@
                   <a:latin typeface="a고운글씨M" panose="02020600000000000000" pitchFamily="18" charset="-127"/>
                   <a:ea typeface="a고운글씨M" panose="02020600000000000000" pitchFamily="18" charset="-127"/>
                 </a:rPr>
-                <a:t>Text </a:t>
+                <a:t>프로젝트 결론</a:t>
               </a:r>
+              <a:endParaRPr lang="en-US" altLang="ko-KR" sz="2000" dirty="0">
+                <a:solidFill>
+                  <a:schemeClr val="accent2">
+                    <a:lumMod val="50000"/>
+                  </a:schemeClr>
+                </a:solidFill>
+                <a:latin typeface="a고운글씨M" panose="02020600000000000000" pitchFamily="18" charset="-127"/>
+                <a:ea typeface="a고운글씨M" panose="02020600000000000000" pitchFamily="18" charset="-127"/>
+              </a:endParaRPr>
+            </a:p>
+            <a:p>
               <a:r>
                 <a:rPr lang="ko-KR" altLang="en-US" sz="2000" dirty="0">
                   <a:solidFill>
@@ -9102,67 +9113,8 @@
                   <a:latin typeface="a고운글씨M" panose="02020600000000000000" pitchFamily="18" charset="-127"/>
                   <a:ea typeface="a고운글씨M" panose="02020600000000000000" pitchFamily="18" charset="-127"/>
                 </a:rPr>
-                <a:t>해야</a:t>
+                <a:t>참고문헌</a:t>
               </a:r>
-              <a:r>
-                <a:rPr lang="en-US" altLang="ko-KR" sz="2000" dirty="0">
-                  <a:solidFill>
-                    <a:schemeClr val="accent2">
-                      <a:lumMod val="50000"/>
-                    </a:schemeClr>
-                  </a:solidFill>
-                  <a:latin typeface="a고운글씨M" panose="02020600000000000000" pitchFamily="18" charset="-127"/>
-                  <a:ea typeface="a고운글씨M" panose="02020600000000000000" pitchFamily="18" charset="-127"/>
-                </a:rPr>
-                <a:t> </a:t>
-              </a:r>
-            </a:p>
-            <a:p>
-              <a:r>
-                <a:rPr lang="en-US" altLang="ko-KR" sz="2000" dirty="0">
-                  <a:solidFill>
-                    <a:schemeClr val="accent2">
-                      <a:lumMod val="50000"/>
-                    </a:schemeClr>
-                  </a:solidFill>
-                  <a:latin typeface="a고운글씨M" panose="02020600000000000000" pitchFamily="18" charset="-127"/>
-                  <a:ea typeface="a고운글씨M" panose="02020600000000000000" pitchFamily="18" charset="-127"/>
-                </a:rPr>
-                <a:t>Text </a:t>
-              </a:r>
-              <a:r>
-                <a:rPr lang="ko-KR" altLang="en-US" sz="2000" dirty="0">
-                  <a:solidFill>
-                    <a:schemeClr val="accent2">
-                      <a:lumMod val="50000"/>
-                    </a:schemeClr>
-                  </a:solidFill>
-                  <a:latin typeface="a고운글씨M" panose="02020600000000000000" pitchFamily="18" charset="-127"/>
-                  <a:ea typeface="a고운글씨M" panose="02020600000000000000" pitchFamily="18" charset="-127"/>
-                </a:rPr>
-                <a:t>여기</a:t>
-              </a:r>
-              <a:r>
-                <a:rPr lang="en-US" altLang="ko-KR" sz="2000" dirty="0">
-                  <a:solidFill>
-                    <a:schemeClr val="accent2">
-                      <a:lumMod val="50000"/>
-                    </a:schemeClr>
-                  </a:solidFill>
-                  <a:latin typeface="a고운글씨M" panose="02020600000000000000" pitchFamily="18" charset="-127"/>
-                  <a:ea typeface="a고운글씨M" panose="02020600000000000000" pitchFamily="18" charset="-127"/>
-                </a:rPr>
-                <a:t> </a:t>
-              </a:r>
-              <a:endParaRPr lang="ko-KR" altLang="en-US" sz="2000" dirty="0">
-                <a:solidFill>
-                  <a:schemeClr val="accent2">
-                    <a:lumMod val="50000"/>
-                  </a:schemeClr>
-                </a:solidFill>
-                <a:latin typeface="a고운글씨M" panose="02020600000000000000" pitchFamily="18" charset="-127"/>
-                <a:ea typeface="a고운글씨M" panose="02020600000000000000" pitchFamily="18" charset="-127"/>
-              </a:endParaRPr>
             </a:p>
           </p:txBody>
         </p:sp>
@@ -10190,7 +10142,7 @@
         </p:blipFill>
         <p:spPr>
           <a:xfrm>
-            <a:off x="7608168" y="1988189"/>
+            <a:off x="7608168" y="1988840"/>
             <a:ext cx="4320480" cy="4633228"/>
           </a:xfrm>
           <a:prstGeom prst="rect">
@@ -12548,13 +12500,13 @@
           <p:nvPr>
             <p:extLst>
               <p:ext uri="{D42A27DB-BD31-4B8C-83A1-F6EECF244321}">
-                <p14:modId xmlns:p14="http://schemas.microsoft.com/office/powerpoint/2010/main" val="65972776"/>
+                <p14:modId xmlns:p14="http://schemas.microsoft.com/office/powerpoint/2010/main" val="706415700"/>
               </p:ext>
             </p:extLst>
           </p:nvPr>
         </p:nvGraphicFramePr>
         <p:xfrm>
-          <a:off x="4727848" y="2587558"/>
+          <a:off x="4224679" y="2420888"/>
           <a:ext cx="6631602" cy="3703320"/>
         </p:xfrm>
         <a:graphic>
